--- a/docs/book_rentals_training.pptx
+++ b/docs/book_rentals_training.pptx
@@ -6,13 +6,16 @@
   </p:sldMasterIdLst>
   <p:sldIdLst>
     <p:sldId id="256" r:id="rId2"/>
-    <p:sldId id="258" r:id="rId3"/>
-    <p:sldId id="263" r:id="rId4"/>
-    <p:sldId id="260" r:id="rId5"/>
-    <p:sldId id="259" r:id="rId6"/>
-    <p:sldId id="257" r:id="rId7"/>
-    <p:sldId id="261" r:id="rId8"/>
-    <p:sldId id="262" r:id="rId9"/>
+    <p:sldId id="266" r:id="rId3"/>
+    <p:sldId id="258" r:id="rId4"/>
+    <p:sldId id="263" r:id="rId5"/>
+    <p:sldId id="260" r:id="rId6"/>
+    <p:sldId id="259" r:id="rId7"/>
+    <p:sldId id="257" r:id="rId8"/>
+    <p:sldId id="264" r:id="rId9"/>
+    <p:sldId id="261" r:id="rId10"/>
+    <p:sldId id="265" r:id="rId11"/>
+    <p:sldId id="262" r:id="rId12"/>
   </p:sldIdLst>
   <p:sldSz cx="12192000" cy="6858000"/>
   <p:notesSz cx="6858000" cy="9144000"/>
@@ -111,6 +114,11 @@
       </a:defRPr>
     </a:lvl9pPr>
   </p:defaultTextStyle>
+  <p:extLst>
+    <p:ext uri="{EFAFB233-063F-42B5-8137-9DF3F51BA10A}">
+      <p15:sldGuideLst xmlns:p15="http://schemas.microsoft.com/office/powerpoint/2012/main"/>
+    </p:ext>
+  </p:extLst>
 </p:presentation>
 </file>
 
@@ -263,7 +271,7 @@
           <a:p>
             <a:fld id="{92D7894A-05B3-4E33-B010-9056EAFEBA90}" type="datetimeFigureOut">
               <a:rPr lang="cs-CZ" smtClean="0"/>
-              <a:t>13.01.2019</a:t>
+              <a:t>08.02.2019</a:t>
             </a:fld>
             <a:endParaRPr lang="cs-CZ"/>
           </a:p>
@@ -463,7 +471,7 @@
           <a:p>
             <a:fld id="{92D7894A-05B3-4E33-B010-9056EAFEBA90}" type="datetimeFigureOut">
               <a:rPr lang="cs-CZ" smtClean="0"/>
-              <a:t>13.01.2019</a:t>
+              <a:t>08.02.2019</a:t>
             </a:fld>
             <a:endParaRPr lang="cs-CZ"/>
           </a:p>
@@ -673,7 +681,7 @@
           <a:p>
             <a:fld id="{92D7894A-05B3-4E33-B010-9056EAFEBA90}" type="datetimeFigureOut">
               <a:rPr lang="cs-CZ" smtClean="0"/>
-              <a:t>13.01.2019</a:t>
+              <a:t>08.02.2019</a:t>
             </a:fld>
             <a:endParaRPr lang="cs-CZ"/>
           </a:p>
@@ -873,7 +881,7 @@
           <a:p>
             <a:fld id="{92D7894A-05B3-4E33-B010-9056EAFEBA90}" type="datetimeFigureOut">
               <a:rPr lang="cs-CZ" smtClean="0"/>
-              <a:t>13.01.2019</a:t>
+              <a:t>08.02.2019</a:t>
             </a:fld>
             <a:endParaRPr lang="cs-CZ"/>
           </a:p>
@@ -1149,7 +1157,7 @@
           <a:p>
             <a:fld id="{92D7894A-05B3-4E33-B010-9056EAFEBA90}" type="datetimeFigureOut">
               <a:rPr lang="cs-CZ" smtClean="0"/>
-              <a:t>13.01.2019</a:t>
+              <a:t>08.02.2019</a:t>
             </a:fld>
             <a:endParaRPr lang="cs-CZ"/>
           </a:p>
@@ -1417,7 +1425,7 @@
           <a:p>
             <a:fld id="{92D7894A-05B3-4E33-B010-9056EAFEBA90}" type="datetimeFigureOut">
               <a:rPr lang="cs-CZ" smtClean="0"/>
-              <a:t>13.01.2019</a:t>
+              <a:t>08.02.2019</a:t>
             </a:fld>
             <a:endParaRPr lang="cs-CZ"/>
           </a:p>
@@ -1832,7 +1840,7 @@
           <a:p>
             <a:fld id="{92D7894A-05B3-4E33-B010-9056EAFEBA90}" type="datetimeFigureOut">
               <a:rPr lang="cs-CZ" smtClean="0"/>
-              <a:t>13.01.2019</a:t>
+              <a:t>08.02.2019</a:t>
             </a:fld>
             <a:endParaRPr lang="cs-CZ"/>
           </a:p>
@@ -1974,7 +1982,7 @@
           <a:p>
             <a:fld id="{92D7894A-05B3-4E33-B010-9056EAFEBA90}" type="datetimeFigureOut">
               <a:rPr lang="cs-CZ" smtClean="0"/>
-              <a:t>13.01.2019</a:t>
+              <a:t>08.02.2019</a:t>
             </a:fld>
             <a:endParaRPr lang="cs-CZ"/>
           </a:p>
@@ -2087,7 +2095,7 @@
           <a:p>
             <a:fld id="{92D7894A-05B3-4E33-B010-9056EAFEBA90}" type="datetimeFigureOut">
               <a:rPr lang="cs-CZ" smtClean="0"/>
-              <a:t>13.01.2019</a:t>
+              <a:t>08.02.2019</a:t>
             </a:fld>
             <a:endParaRPr lang="cs-CZ"/>
           </a:p>
@@ -2400,7 +2408,7 @@
           <a:p>
             <a:fld id="{92D7894A-05B3-4E33-B010-9056EAFEBA90}" type="datetimeFigureOut">
               <a:rPr lang="cs-CZ" smtClean="0"/>
-              <a:t>13.01.2019</a:t>
+              <a:t>08.02.2019</a:t>
             </a:fld>
             <a:endParaRPr lang="cs-CZ"/>
           </a:p>
@@ -2689,7 +2697,7 @@
           <a:p>
             <a:fld id="{92D7894A-05B3-4E33-B010-9056EAFEBA90}" type="datetimeFigureOut">
               <a:rPr lang="cs-CZ" smtClean="0"/>
-              <a:t>13.01.2019</a:t>
+              <a:t>08.02.2019</a:t>
             </a:fld>
             <a:endParaRPr lang="cs-CZ"/>
           </a:p>
@@ -2932,7 +2940,7 @@
           <a:p>
             <a:fld id="{92D7894A-05B3-4E33-B010-9056EAFEBA90}" type="datetimeFigureOut">
               <a:rPr lang="cs-CZ" smtClean="0"/>
-              <a:t>13.01.2019</a:t>
+              <a:t>08.02.2019</a:t>
             </a:fld>
             <a:endParaRPr lang="cs-CZ"/>
           </a:p>
@@ -3416,6 +3424,232 @@
 </p:sld>
 </file>
 
+<file path=ppt/slides/slide10.xml><?xml version="1.0" encoding="utf-8"?>
+<p:sld xmlns:a="http://schemas.openxmlformats.org/drawingml/2006/main" xmlns:r="http://schemas.openxmlformats.org/officeDocument/2006/relationships" xmlns:p="http://schemas.openxmlformats.org/presentationml/2006/main">
+  <p:cSld>
+    <p:spTree>
+      <p:nvGrpSpPr>
+        <p:cNvPr id="1" name=""/>
+        <p:cNvGrpSpPr/>
+        <p:nvPr/>
+      </p:nvGrpSpPr>
+      <p:grpSpPr>
+        <a:xfrm>
+          <a:off x="0" y="0"/>
+          <a:ext cx="0" cy="0"/>
+          <a:chOff x="0" y="0"/>
+          <a:chExt cx="0" cy="0"/>
+        </a:xfrm>
+      </p:grpSpPr>
+      <p:sp>
+        <p:nvSpPr>
+          <p:cNvPr id="2" name="Title 1">
+            <a:extLst>
+              <a:ext uri="{FF2B5EF4-FFF2-40B4-BE49-F238E27FC236}">
+                <a16:creationId xmlns:a16="http://schemas.microsoft.com/office/drawing/2014/main" id="{3E95A7B5-8DE7-4C99-A2EE-42D01F39D9C4}"/>
+              </a:ext>
+            </a:extLst>
+          </p:cNvPr>
+          <p:cNvSpPr>
+            <a:spLocks noGrp="1"/>
+          </p:cNvSpPr>
+          <p:nvPr>
+            <p:ph type="title"/>
+          </p:nvPr>
+        </p:nvSpPr>
+        <p:spPr/>
+        <p:txBody>
+          <a:bodyPr/>
+          <a:lstStyle/>
+          <a:p>
+            <a:r>
+              <a:rPr lang="cs-CZ" dirty="0"/>
+              <a:t>Diagrams</a:t>
+            </a:r>
+          </a:p>
+        </p:txBody>
+      </p:sp>
+      <p:sp>
+        <p:nvSpPr>
+          <p:cNvPr id="3" name="Content Placeholder 2">
+            <a:extLst>
+              <a:ext uri="{FF2B5EF4-FFF2-40B4-BE49-F238E27FC236}">
+                <a16:creationId xmlns:a16="http://schemas.microsoft.com/office/drawing/2014/main" id="{9978CAB6-ED0E-412A-8868-0D085374F460}"/>
+              </a:ext>
+            </a:extLst>
+          </p:cNvPr>
+          <p:cNvSpPr>
+            <a:spLocks noGrp="1"/>
+          </p:cNvSpPr>
+          <p:nvPr>
+            <p:ph idx="1"/>
+          </p:nvPr>
+        </p:nvSpPr>
+        <p:spPr/>
+        <p:txBody>
+          <a:bodyPr>
+            <a:normAutofit fontScale="92500" lnSpcReduction="20000"/>
+          </a:bodyPr>
+          <a:lstStyle/>
+          <a:p>
+            <a:r>
+              <a:rPr lang="cs-CZ" dirty="0"/>
+              <a:t>Actors</a:t>
+            </a:r>
+          </a:p>
+          <a:p>
+            <a:r>
+              <a:rPr lang="cs-CZ" dirty="0"/>
+              <a:t>Requirements</a:t>
+            </a:r>
+          </a:p>
+          <a:p>
+            <a:r>
+              <a:rPr lang="cs-CZ" dirty="0"/>
+              <a:t>Use cases</a:t>
+            </a:r>
+          </a:p>
+          <a:p>
+            <a:r>
+              <a:rPr lang="cs-CZ" dirty="0"/>
+              <a:t>Classes</a:t>
+            </a:r>
+          </a:p>
+          <a:p>
+            <a:r>
+              <a:rPr lang="cs-CZ" dirty="0"/>
+              <a:t>Activity</a:t>
+            </a:r>
+          </a:p>
+          <a:p>
+            <a:r>
+              <a:rPr lang="cs-CZ" dirty="0"/>
+              <a:t>Interaction</a:t>
+            </a:r>
+          </a:p>
+          <a:p>
+            <a:r>
+              <a:rPr lang="cs-CZ" dirty="0"/>
+              <a:t>State</a:t>
+            </a:r>
+          </a:p>
+          <a:p>
+            <a:r>
+              <a:rPr lang="cs-CZ" dirty="0"/>
+              <a:t>Component</a:t>
+            </a:r>
+          </a:p>
+          <a:p>
+            <a:r>
+              <a:rPr lang="cs-CZ" dirty="0"/>
+              <a:t>Deployment</a:t>
+            </a:r>
+          </a:p>
+          <a:p>
+            <a:r>
+              <a:rPr lang="cs-CZ" dirty="0"/>
+              <a:t>...</a:t>
+            </a:r>
+          </a:p>
+        </p:txBody>
+      </p:sp>
+    </p:spTree>
+    <p:extLst>
+      <p:ext uri="{BB962C8B-B14F-4D97-AF65-F5344CB8AC3E}">
+        <p14:creationId xmlns:p14="http://schemas.microsoft.com/office/powerpoint/2010/main" val="1619805645"/>
+      </p:ext>
+    </p:extLst>
+  </p:cSld>
+  <p:clrMapOvr>
+    <a:masterClrMapping/>
+  </p:clrMapOvr>
+</p:sld>
+</file>
+
+<file path=ppt/slides/slide11.xml><?xml version="1.0" encoding="utf-8"?>
+<p:sld xmlns:a="http://schemas.openxmlformats.org/drawingml/2006/main" xmlns:r="http://schemas.openxmlformats.org/officeDocument/2006/relationships" xmlns:p="http://schemas.openxmlformats.org/presentationml/2006/main">
+  <p:cSld>
+    <p:spTree>
+      <p:nvGrpSpPr>
+        <p:cNvPr id="1" name=""/>
+        <p:cNvGrpSpPr/>
+        <p:nvPr/>
+      </p:nvGrpSpPr>
+      <p:grpSpPr>
+        <a:xfrm>
+          <a:off x="0" y="0"/>
+          <a:ext cx="0" cy="0"/>
+          <a:chOff x="0" y="0"/>
+          <a:chExt cx="0" cy="0"/>
+        </a:xfrm>
+      </p:grpSpPr>
+      <p:sp>
+        <p:nvSpPr>
+          <p:cNvPr id="2" name="Title 1">
+            <a:extLst>
+              <a:ext uri="{FF2B5EF4-FFF2-40B4-BE49-F238E27FC236}">
+                <a16:creationId xmlns:a16="http://schemas.microsoft.com/office/drawing/2014/main" id="{CE7AFE04-B89C-4359-A3C9-6114636B45DE}"/>
+              </a:ext>
+            </a:extLst>
+          </p:cNvPr>
+          <p:cNvSpPr>
+            <a:spLocks noGrp="1"/>
+          </p:cNvSpPr>
+          <p:nvPr>
+            <p:ph type="title"/>
+          </p:nvPr>
+        </p:nvSpPr>
+        <p:spPr/>
+        <p:txBody>
+          <a:bodyPr/>
+          <a:lstStyle/>
+          <a:p>
+            <a:r>
+              <a:rPr lang="en-US" dirty="0"/>
+              <a:t>Tests!</a:t>
+            </a:r>
+            <a:endParaRPr lang="cs-CZ" dirty="0"/>
+          </a:p>
+        </p:txBody>
+      </p:sp>
+      <p:sp>
+        <p:nvSpPr>
+          <p:cNvPr id="3" name="Content Placeholder 2">
+            <a:extLst>
+              <a:ext uri="{FF2B5EF4-FFF2-40B4-BE49-F238E27FC236}">
+                <a16:creationId xmlns:a16="http://schemas.microsoft.com/office/drawing/2014/main" id="{154D00F0-094F-471C-9EAD-35D948D838DB}"/>
+              </a:ext>
+            </a:extLst>
+          </p:cNvPr>
+          <p:cNvSpPr>
+            <a:spLocks noGrp="1"/>
+          </p:cNvSpPr>
+          <p:nvPr>
+            <p:ph idx="1"/>
+          </p:nvPr>
+        </p:nvSpPr>
+        <p:spPr/>
+        <p:txBody>
+          <a:bodyPr/>
+          <a:lstStyle/>
+          <a:p>
+            <a:endParaRPr lang="cs-CZ"/>
+          </a:p>
+        </p:txBody>
+      </p:sp>
+    </p:spTree>
+    <p:extLst>
+      <p:ext uri="{BB962C8B-B14F-4D97-AF65-F5344CB8AC3E}">
+        <p14:creationId xmlns:p14="http://schemas.microsoft.com/office/powerpoint/2010/main" val="3107403110"/>
+      </p:ext>
+    </p:extLst>
+  </p:cSld>
+  <p:clrMapOvr>
+    <a:masterClrMapping/>
+  </p:clrMapOvr>
+</p:sld>
+</file>
+
 <file path=ppt/slides/slide2.xml><?xml version="1.0" encoding="utf-8"?>
 <p:sld xmlns:a="http://schemas.openxmlformats.org/drawingml/2006/main" xmlns:r="http://schemas.openxmlformats.org/officeDocument/2006/relationships" xmlns:p="http://schemas.openxmlformats.org/presentationml/2006/main">
   <p:cSld>
@@ -3438,7 +3672,7 @@
           <p:cNvPr id="2" name="Title 1">
             <a:extLst>
               <a:ext uri="{FF2B5EF4-FFF2-40B4-BE49-F238E27FC236}">
-                <a16:creationId xmlns:a16="http://schemas.microsoft.com/office/drawing/2014/main" id="{E164FC7B-0806-4F7E-8053-980DAE23EC1C}"/>
+                <a16:creationId xmlns:a16="http://schemas.microsoft.com/office/drawing/2014/main" id="{60080644-4FBE-467C-A934-E2D9B404799A}"/>
               </a:ext>
             </a:extLst>
           </p:cNvPr>
@@ -3455,10 +3689,9 @@
           <a:lstStyle/>
           <a:p>
             <a:r>
-              <a:rPr lang="en-US" dirty="0"/>
-              <a:t>Business specification</a:t>
-            </a:r>
-            <a:endParaRPr lang="cs-CZ" dirty="0"/>
+              <a:rPr lang="cs-CZ" dirty="0"/>
+              <a:t>Glossary</a:t>
+            </a:r>
           </a:p>
         </p:txBody>
       </p:sp>
@@ -3467,7 +3700,7 @@
           <p:cNvPr id="3" name="Content Placeholder 2">
             <a:extLst>
               <a:ext uri="{FF2B5EF4-FFF2-40B4-BE49-F238E27FC236}">
-                <a16:creationId xmlns:a16="http://schemas.microsoft.com/office/drawing/2014/main" id="{EBDDB871-3A13-4BBD-8E4E-5CCE61B5EB1E}"/>
+                <a16:creationId xmlns:a16="http://schemas.microsoft.com/office/drawing/2014/main" id="{CE2798D8-B5F3-4EFA-AA4A-9DFB8625FC50}"/>
               </a:ext>
             </a:extLst>
           </p:cNvPr>
@@ -3484,61 +3717,62 @@
           <a:lstStyle/>
           <a:p>
             <a:r>
-              <a:rPr lang="en-US" dirty="0"/>
-              <a:t>Analyze</a:t>
-            </a:r>
-          </a:p>
-          <a:p>
-            <a:r>
-              <a:rPr lang="en-US" dirty="0"/>
-              <a:t>Define actors</a:t>
-            </a:r>
-          </a:p>
-          <a:p>
-            <a:r>
-              <a:rPr lang="en-US" dirty="0"/>
-              <a:t>Define requirements and features</a:t>
+              <a:rPr lang="cs-CZ" dirty="0"/>
+              <a:t>Model</a:t>
             </a:r>
           </a:p>
           <a:p>
             <a:pPr lvl="1"/>
             <a:r>
-              <a:rPr lang="en-US" dirty="0"/>
-              <a:t>Functional, non functional, business, security, …</a:t>
-            </a:r>
-          </a:p>
-          <a:p>
-            <a:r>
-              <a:rPr lang="en-US" dirty="0"/>
-              <a:t>Define user stories or use cases</a:t>
+              <a:rPr lang="cs-CZ" dirty="0"/>
+              <a:t>part of the system which describes some functionality</a:t>
+            </a:r>
+          </a:p>
+          <a:p>
+            <a:r>
+              <a:rPr lang="cs-CZ" dirty="0"/>
+              <a:t>Diagram</a:t>
             </a:r>
           </a:p>
           <a:p>
             <a:pPr lvl="1"/>
             <a:r>
-              <a:rPr lang="en-US" dirty="0"/>
-              <a:t>Create matrix – map UC to REQ</a:t>
-            </a:r>
-          </a:p>
-          <a:p>
-            <a:r>
-              <a:rPr lang="en-US" dirty="0"/>
-              <a:t>Create domain model</a:t>
-            </a:r>
-          </a:p>
-          <a:p>
-            <a:r>
-              <a:rPr lang="en-US" dirty="0"/>
-              <a:t>Refine requirements</a:t>
-            </a:r>
-            <a:endParaRPr lang="cs-CZ" dirty="0"/>
+              <a:rPr lang="cs-CZ" dirty="0"/>
+              <a:t>view on model</a:t>
+            </a:r>
+          </a:p>
+          <a:p>
+            <a:r>
+              <a:rPr lang="cs-CZ" dirty="0"/>
+              <a:t>Entity</a:t>
+            </a:r>
+          </a:p>
+          <a:p>
+            <a:pPr lvl="1"/>
+            <a:r>
+              <a:rPr lang="cs-CZ" dirty="0"/>
+              <a:t>class, table</a:t>
+            </a:r>
+          </a:p>
+          <a:p>
+            <a:r>
+              <a:rPr lang="cs-CZ" dirty="0"/>
+              <a:t>Object</a:t>
+            </a:r>
+          </a:p>
+          <a:p>
+            <a:pPr lvl="1"/>
+            <a:r>
+              <a:rPr lang="cs-CZ" dirty="0"/>
+              <a:t>Instance of entity</a:t>
+            </a:r>
           </a:p>
         </p:txBody>
       </p:sp>
     </p:spTree>
     <p:extLst>
       <p:ext uri="{BB962C8B-B14F-4D97-AF65-F5344CB8AC3E}">
-        <p14:creationId xmlns:p14="http://schemas.microsoft.com/office/powerpoint/2010/main" val="1347928080"/>
+        <p14:creationId xmlns:p14="http://schemas.microsoft.com/office/powerpoint/2010/main" val="374193616"/>
       </p:ext>
     </p:extLst>
   </p:cSld>
@@ -3570,7 +3804,7 @@
           <p:cNvPr id="2" name="Title 1">
             <a:extLst>
               <a:ext uri="{FF2B5EF4-FFF2-40B4-BE49-F238E27FC236}">
-                <a16:creationId xmlns:a16="http://schemas.microsoft.com/office/drawing/2014/main" id="{26D8D825-052A-42E5-8053-CF2C6996D7B8}"/>
+                <a16:creationId xmlns:a16="http://schemas.microsoft.com/office/drawing/2014/main" id="{E164FC7B-0806-4F7E-8053-980DAE23EC1C}"/>
               </a:ext>
             </a:extLst>
           </p:cNvPr>
@@ -3588,7 +3822,7 @@
           <a:p>
             <a:r>
               <a:rPr lang="en-US" dirty="0"/>
-              <a:t>UML basics</a:t>
+              <a:t>Business specification</a:t>
             </a:r>
             <a:endParaRPr lang="cs-CZ" dirty="0"/>
           </a:p>
@@ -3599,7 +3833,7 @@
           <p:cNvPr id="3" name="Content Placeholder 2">
             <a:extLst>
               <a:ext uri="{FF2B5EF4-FFF2-40B4-BE49-F238E27FC236}">
-                <a16:creationId xmlns:a16="http://schemas.microsoft.com/office/drawing/2014/main" id="{892FA142-4B72-42C2-8C1F-0F5A81AB2491}"/>
+                <a16:creationId xmlns:a16="http://schemas.microsoft.com/office/drawing/2014/main" id="{EBDDB871-3A13-4BBD-8E4E-5CCE61B5EB1E}"/>
               </a:ext>
             </a:extLst>
           </p:cNvPr>
@@ -3615,6 +3849,61 @@
           <a:bodyPr/>
           <a:lstStyle/>
           <a:p>
+            <a:r>
+              <a:rPr lang="en-US" dirty="0"/>
+              <a:t>Analyze – ask questions, clarify details</a:t>
+            </a:r>
+          </a:p>
+          <a:p>
+            <a:r>
+              <a:rPr lang="en-US" dirty="0"/>
+              <a:t>Define actors - roles</a:t>
+            </a:r>
+          </a:p>
+          <a:p>
+            <a:r>
+              <a:rPr lang="en-US" dirty="0"/>
+              <a:t>Define requirements and features</a:t>
+            </a:r>
+          </a:p>
+          <a:p>
+            <a:pPr lvl="1"/>
+            <a:r>
+              <a:rPr lang="en-US" dirty="0"/>
+              <a:t>Internal, external</a:t>
+            </a:r>
+          </a:p>
+          <a:p>
+            <a:pPr lvl="1"/>
+            <a:r>
+              <a:rPr lang="en-US" dirty="0"/>
+              <a:t>Functional, non functional, business, security, …</a:t>
+            </a:r>
+          </a:p>
+          <a:p>
+            <a:r>
+              <a:rPr lang="en-US" dirty="0"/>
+              <a:t>Define user stories or use cases</a:t>
+            </a:r>
+          </a:p>
+          <a:p>
+            <a:pPr lvl="1"/>
+            <a:r>
+              <a:rPr lang="en-US" dirty="0"/>
+              <a:t>Create matrix – map UC to REQ</a:t>
+            </a:r>
+          </a:p>
+          <a:p>
+            <a:r>
+              <a:rPr lang="en-US" dirty="0"/>
+              <a:t>Create domain model</a:t>
+            </a:r>
+          </a:p>
+          <a:p>
+            <a:r>
+              <a:rPr lang="en-US" dirty="0"/>
+              <a:t>Refine requirements</a:t>
+            </a:r>
             <a:endParaRPr lang="cs-CZ" dirty="0"/>
           </a:p>
         </p:txBody>
@@ -3622,7 +3911,7 @@
     </p:spTree>
     <p:extLst>
       <p:ext uri="{BB962C8B-B14F-4D97-AF65-F5344CB8AC3E}">
-        <p14:creationId xmlns:p14="http://schemas.microsoft.com/office/powerpoint/2010/main" val="1815432432"/>
+        <p14:creationId xmlns:p14="http://schemas.microsoft.com/office/powerpoint/2010/main" val="1347928080"/>
       </p:ext>
     </p:extLst>
   </p:cSld>
@@ -3654,7 +3943,7 @@
           <p:cNvPr id="2" name="Title 1">
             <a:extLst>
               <a:ext uri="{FF2B5EF4-FFF2-40B4-BE49-F238E27FC236}">
-                <a16:creationId xmlns:a16="http://schemas.microsoft.com/office/drawing/2014/main" id="{EA2E0F40-3EE4-4F36-BF6B-71F89D5464CF}"/>
+                <a16:creationId xmlns:a16="http://schemas.microsoft.com/office/drawing/2014/main" id="{26D8D825-052A-42E5-8053-CF2C6996D7B8}"/>
               </a:ext>
             </a:extLst>
           </p:cNvPr>
@@ -3672,7 +3961,7 @@
           <a:p>
             <a:r>
               <a:rPr lang="en-US" dirty="0"/>
-              <a:t>Actors</a:t>
+              <a:t>UML basics</a:t>
             </a:r>
             <a:endParaRPr lang="cs-CZ" dirty="0"/>
           </a:p>
@@ -3683,7 +3972,7 @@
           <p:cNvPr id="3" name="Content Placeholder 2">
             <a:extLst>
               <a:ext uri="{FF2B5EF4-FFF2-40B4-BE49-F238E27FC236}">
-                <a16:creationId xmlns:a16="http://schemas.microsoft.com/office/drawing/2014/main" id="{7BEE39D5-A418-4736-AE35-0E4FDF5B871E}"/>
+                <a16:creationId xmlns:a16="http://schemas.microsoft.com/office/drawing/2014/main" id="{892FA142-4B72-42C2-8C1F-0F5A81AB2491}"/>
               </a:ext>
             </a:extLst>
           </p:cNvPr>
@@ -3699,14 +3988,14 @@
           <a:bodyPr/>
           <a:lstStyle/>
           <a:p>
-            <a:endParaRPr lang="cs-CZ"/>
+            <a:endParaRPr lang="cs-CZ" dirty="0"/>
           </a:p>
         </p:txBody>
       </p:sp>
     </p:spTree>
     <p:extLst>
       <p:ext uri="{BB962C8B-B14F-4D97-AF65-F5344CB8AC3E}">
-        <p14:creationId xmlns:p14="http://schemas.microsoft.com/office/powerpoint/2010/main" val="461561297"/>
+        <p14:creationId xmlns:p14="http://schemas.microsoft.com/office/powerpoint/2010/main" val="1815432432"/>
       </p:ext>
     </p:extLst>
   </p:cSld>
@@ -3738,7 +4027,7 @@
           <p:cNvPr id="2" name="Title 1">
             <a:extLst>
               <a:ext uri="{FF2B5EF4-FFF2-40B4-BE49-F238E27FC236}">
-                <a16:creationId xmlns:a16="http://schemas.microsoft.com/office/drawing/2014/main" id="{28349978-563C-44B1-89BD-77378C52CB6C}"/>
+                <a16:creationId xmlns:a16="http://schemas.microsoft.com/office/drawing/2014/main" id="{EA2E0F40-3EE4-4F36-BF6B-71F89D5464CF}"/>
               </a:ext>
             </a:extLst>
           </p:cNvPr>
@@ -3756,7 +4045,7 @@
           <a:p>
             <a:r>
               <a:rPr lang="en-US" dirty="0"/>
-              <a:t>Requirements</a:t>
+              <a:t>Actors</a:t>
             </a:r>
             <a:endParaRPr lang="cs-CZ" dirty="0"/>
           </a:p>
@@ -3767,7 +4056,7 @@
           <p:cNvPr id="3" name="Content Placeholder 2">
             <a:extLst>
               <a:ext uri="{FF2B5EF4-FFF2-40B4-BE49-F238E27FC236}">
-                <a16:creationId xmlns:a16="http://schemas.microsoft.com/office/drawing/2014/main" id="{AE4EBA8F-9AB2-48A4-B6CB-B364ECEAD093}"/>
+                <a16:creationId xmlns:a16="http://schemas.microsoft.com/office/drawing/2014/main" id="{7BEE39D5-A418-4736-AE35-0E4FDF5B871E}"/>
               </a:ext>
             </a:extLst>
           </p:cNvPr>
@@ -3783,14 +4072,29 @@
           <a:bodyPr/>
           <a:lstStyle/>
           <a:p>
-            <a:endParaRPr lang="cs-CZ" dirty="0"/>
+            <a:r>
+              <a:rPr lang="cs-CZ" dirty="0"/>
+              <a:t>Anyone who interacts with the subject</a:t>
+            </a:r>
+          </a:p>
+          <a:p>
+            <a:r>
+              <a:rPr lang="cs-CZ" dirty="0"/>
+              <a:t>Can be users or systems</a:t>
+            </a:r>
+          </a:p>
+          <a:p>
+            <a:r>
+              <a:rPr lang="cs-CZ" dirty="0"/>
+              <a:t>Are used in use cases</a:t>
+            </a:r>
           </a:p>
         </p:txBody>
       </p:sp>
     </p:spTree>
     <p:extLst>
       <p:ext uri="{BB962C8B-B14F-4D97-AF65-F5344CB8AC3E}">
-        <p14:creationId xmlns:p14="http://schemas.microsoft.com/office/powerpoint/2010/main" val="22316022"/>
+        <p14:creationId xmlns:p14="http://schemas.microsoft.com/office/powerpoint/2010/main" val="461561297"/>
       </p:ext>
     </p:extLst>
   </p:cSld>
@@ -3822,7 +4126,7 @@
           <p:cNvPr id="2" name="Title 1">
             <a:extLst>
               <a:ext uri="{FF2B5EF4-FFF2-40B4-BE49-F238E27FC236}">
-                <a16:creationId xmlns:a16="http://schemas.microsoft.com/office/drawing/2014/main" id="{56E928B8-2882-4900-8200-1A08F275CD46}"/>
+                <a16:creationId xmlns:a16="http://schemas.microsoft.com/office/drawing/2014/main" id="{28349978-563C-44B1-89BD-77378C52CB6C}"/>
               </a:ext>
             </a:extLst>
           </p:cNvPr>
@@ -3840,7 +4144,7 @@
           <a:p>
             <a:r>
               <a:rPr lang="en-US" dirty="0"/>
-              <a:t>User Stories vs. Use Cases</a:t>
+              <a:t>Requirements</a:t>
             </a:r>
             <a:endParaRPr lang="cs-CZ" dirty="0"/>
           </a:p>
@@ -3851,7 +4155,7 @@
           <p:cNvPr id="3" name="Content Placeholder 2">
             <a:extLst>
               <a:ext uri="{FF2B5EF4-FFF2-40B4-BE49-F238E27FC236}">
-                <a16:creationId xmlns:a16="http://schemas.microsoft.com/office/drawing/2014/main" id="{6CA50246-661E-4EA0-B57C-35278149F0C9}"/>
+                <a16:creationId xmlns:a16="http://schemas.microsoft.com/office/drawing/2014/main" id="{AE4EBA8F-9AB2-48A4-B6CB-B364ECEAD093}"/>
               </a:ext>
             </a:extLst>
           </p:cNvPr>
@@ -3868,75 +4172,64 @@
           <a:lstStyle/>
           <a:p>
             <a:r>
-              <a:rPr lang="en-US" dirty="0"/>
-              <a:t>User Stories</a:t>
+              <a:rPr lang="cs-CZ" dirty="0"/>
+              <a:t>External requirements</a:t>
             </a:r>
           </a:p>
           <a:p>
             <a:pPr lvl="1"/>
             <a:r>
-              <a:rPr lang="en-US" i="1" dirty="0"/>
-              <a:t>As an [actor] I want [action] so that [achievement].</a:t>
+              <a:rPr lang="cs-CZ" dirty="0"/>
+              <a:t>Requirements for the system</a:t>
             </a:r>
           </a:p>
           <a:p>
             <a:pPr lvl="1"/>
             <a:r>
-              <a:rPr lang="en-US" dirty="0"/>
-              <a:t>Acceptance criteria</a:t>
+              <a:rPr lang="cs-CZ" dirty="0"/>
+              <a:t>Can be shared among more use cases</a:t>
             </a:r>
           </a:p>
           <a:p>
             <a:pPr lvl="1"/>
             <a:r>
-              <a:rPr lang="en-US" dirty="0"/>
-              <a:t>Rating complexity of stories (scrum)</a:t>
-            </a:r>
-          </a:p>
-          <a:p>
-            <a:r>
-              <a:rPr lang="en-US" dirty="0"/>
-              <a:t>Use Cases</a:t>
+              <a:rPr lang="cs-CZ" dirty="0"/>
+              <a:t>Functional</a:t>
             </a:r>
           </a:p>
           <a:p>
             <a:pPr lvl="1"/>
             <a:r>
-              <a:rPr lang="en-US" dirty="0"/>
-              <a:t>Title, Description</a:t>
+              <a:rPr lang="cs-CZ" dirty="0"/>
+              <a:t>Non-functional</a:t>
+            </a:r>
+          </a:p>
+          <a:p>
+            <a:pPr lvl="2"/>
+            <a:r>
+              <a:rPr lang="cs-CZ" dirty="0"/>
+              <a:t>Performance, security, ...</a:t>
+            </a:r>
+          </a:p>
+          <a:p>
+            <a:r>
+              <a:rPr lang="cs-CZ" dirty="0"/>
+              <a:t>Internal requirements</a:t>
             </a:r>
           </a:p>
           <a:p>
             <a:pPr lvl="1"/>
             <a:r>
-              <a:rPr lang="en-US" dirty="0"/>
-              <a:t>Actors</a:t>
-            </a:r>
-          </a:p>
-          <a:p>
-            <a:pPr lvl="1"/>
-            <a:r>
-              <a:rPr lang="en-US" dirty="0"/>
-              <a:t>Basic flow, alternate flows</a:t>
-            </a:r>
-          </a:p>
-          <a:p>
-            <a:pPr lvl="1"/>
-            <a:r>
-              <a:rPr lang="en-US" dirty="0"/>
-              <a:t>Preconditions, postconditions</a:t>
-            </a:r>
-          </a:p>
-          <a:p>
-            <a:pPr lvl="1"/>
-            <a:endParaRPr lang="cs-CZ" dirty="0"/>
+              <a:rPr lang="cs-CZ" dirty="0"/>
+              <a:t>Only for a single use case</a:t>
+            </a:r>
           </a:p>
         </p:txBody>
       </p:sp>
     </p:spTree>
     <p:extLst>
       <p:ext uri="{BB962C8B-B14F-4D97-AF65-F5344CB8AC3E}">
-        <p14:creationId xmlns:p14="http://schemas.microsoft.com/office/powerpoint/2010/main" val="3583117616"/>
+        <p14:creationId xmlns:p14="http://schemas.microsoft.com/office/powerpoint/2010/main" val="22316022"/>
       </p:ext>
     </p:extLst>
   </p:cSld>
@@ -3968,7 +4261,7 @@
           <p:cNvPr id="2" name="Title 1">
             <a:extLst>
               <a:ext uri="{FF2B5EF4-FFF2-40B4-BE49-F238E27FC236}">
-                <a16:creationId xmlns:a16="http://schemas.microsoft.com/office/drawing/2014/main" id="{D7A0DF62-2918-413F-86AB-31C511443759}"/>
+                <a16:creationId xmlns:a16="http://schemas.microsoft.com/office/drawing/2014/main" id="{56E928B8-2882-4900-8200-1A08F275CD46}"/>
               </a:ext>
             </a:extLst>
           </p:cNvPr>
@@ -3986,7 +4279,7 @@
           <a:p>
             <a:r>
               <a:rPr lang="en-US" dirty="0"/>
-              <a:t>Domain Model</a:t>
+              <a:t>User Stories vs. Use Cases</a:t>
             </a:r>
             <a:endParaRPr lang="cs-CZ" dirty="0"/>
           </a:p>
@@ -3997,7 +4290,7 @@
           <p:cNvPr id="3" name="Content Placeholder 2">
             <a:extLst>
               <a:ext uri="{FF2B5EF4-FFF2-40B4-BE49-F238E27FC236}">
-                <a16:creationId xmlns:a16="http://schemas.microsoft.com/office/drawing/2014/main" id="{EAA34742-034F-4758-89BC-DEAE53920741}"/>
+                <a16:creationId xmlns:a16="http://schemas.microsoft.com/office/drawing/2014/main" id="{6CA50246-661E-4EA0-B57C-35278149F0C9}"/>
               </a:ext>
             </a:extLst>
           </p:cNvPr>
@@ -4010,29 +4303,141 @@
         </p:nvSpPr>
         <p:spPr/>
         <p:txBody>
-          <a:bodyPr/>
+          <a:bodyPr>
+            <a:normAutofit fontScale="70000" lnSpcReduction="20000"/>
+          </a:bodyPr>
           <a:lstStyle/>
           <a:p>
             <a:r>
               <a:rPr lang="en-US" dirty="0"/>
-              <a:t>Easier testing</a:t>
-            </a:r>
-          </a:p>
-          <a:p>
+              <a:t>User Stories</a:t>
+            </a:r>
+            <a:endParaRPr lang="cs-CZ" dirty="0"/>
+          </a:p>
+          <a:p>
+            <a:pPr lvl="1"/>
+            <a:r>
+              <a:rPr lang="cs-CZ" dirty="0"/>
+              <a:t>Used mainly in agile methodologies</a:t>
+            </a:r>
+          </a:p>
+          <a:p>
+            <a:pPr lvl="1"/>
+            <a:r>
+              <a:rPr lang="cs-CZ" dirty="0"/>
+              <a:t>Primary for developers, but not only</a:t>
+            </a:r>
+            <a:endParaRPr lang="en-US" dirty="0"/>
+          </a:p>
+          <a:p>
+            <a:pPr lvl="1"/>
+            <a:r>
+              <a:rPr lang="cs-CZ" i="1" dirty="0"/>
+              <a:t>Defines as:</a:t>
+            </a:r>
+          </a:p>
+          <a:p>
+            <a:pPr lvl="2"/>
+            <a:r>
+              <a:rPr lang="en-US" i="1" dirty="0"/>
+              <a:t>As an [actor] I want [action] so that [achievement].</a:t>
+            </a:r>
+          </a:p>
+          <a:p>
+            <a:pPr lvl="2"/>
             <a:r>
               <a:rPr lang="en-US" dirty="0"/>
-              <a:t>Example</a:t>
-            </a:r>
-          </a:p>
-          <a:p>
+              <a:t>Acceptance criteria</a:t>
+            </a:r>
+          </a:p>
+          <a:p>
+            <a:pPr lvl="1"/>
+            <a:r>
+              <a:rPr lang="en-US" dirty="0"/>
+              <a:t>Rating complexity of stories (scrum)</a:t>
+            </a:r>
             <a:endParaRPr lang="cs-CZ" dirty="0"/>
+          </a:p>
+          <a:p>
+            <a:pPr lvl="1"/>
+            <a:endParaRPr lang="en-US" dirty="0"/>
+          </a:p>
+          <a:p>
+            <a:r>
+              <a:rPr lang="en-US" dirty="0"/>
+              <a:t>Use Cases</a:t>
+            </a:r>
+            <a:endParaRPr lang="cs-CZ" dirty="0"/>
+          </a:p>
+          <a:p>
+            <a:pPr lvl="1"/>
+            <a:r>
+              <a:rPr lang="cs-CZ" dirty="0"/>
+              <a:t>Used to describe the process with focus on UI</a:t>
+            </a:r>
+          </a:p>
+          <a:p>
+            <a:pPr lvl="1"/>
+            <a:r>
+              <a:rPr lang="cs-CZ" dirty="0"/>
+              <a:t>Detailed specifications (user clicks on Save button, system will store data and return a message)</a:t>
+            </a:r>
+          </a:p>
+          <a:p>
+            <a:pPr lvl="1"/>
+            <a:r>
+              <a:rPr lang="cs-CZ" dirty="0"/>
+              <a:t>Defines as: 	</a:t>
+            </a:r>
+            <a:endParaRPr lang="en-US" dirty="0"/>
+          </a:p>
+          <a:p>
+            <a:pPr lvl="2"/>
+            <a:r>
+              <a:rPr lang="en-US" dirty="0"/>
+              <a:t>Title, Description</a:t>
+            </a:r>
+          </a:p>
+          <a:p>
+            <a:pPr lvl="2"/>
+            <a:r>
+              <a:rPr lang="en-US" dirty="0"/>
+              <a:t>Actors</a:t>
+            </a:r>
+          </a:p>
+          <a:p>
+            <a:pPr lvl="2"/>
+            <a:r>
+              <a:rPr lang="en-US" dirty="0"/>
+              <a:t>Basic flow, alternate flows</a:t>
+            </a:r>
+            <a:endParaRPr lang="cs-CZ" dirty="0"/>
+          </a:p>
+          <a:p>
+            <a:pPr lvl="2"/>
+            <a:r>
+              <a:rPr lang="cs-CZ" dirty="0"/>
+              <a:t>Internal requirements</a:t>
+            </a:r>
+            <a:endParaRPr lang="en-US" dirty="0"/>
+          </a:p>
+          <a:p>
+            <a:pPr lvl="2"/>
+            <a:r>
+              <a:rPr lang="cs-CZ" dirty="0"/>
+              <a:t>Constraints: </a:t>
+            </a:r>
+            <a:r>
+              <a:rPr lang="en-US" dirty="0"/>
+              <a:t>Preconditions, postconditions</a:t>
+            </a:r>
           </a:p>
         </p:txBody>
       </p:sp>
     </p:spTree>
     <p:extLst>
       <p:ext uri="{BB962C8B-B14F-4D97-AF65-F5344CB8AC3E}">
-        <p14:creationId xmlns:p14="http://schemas.microsoft.com/office/powerpoint/2010/main" val="1456024689"/>
+        <p14:creationId xmlns:p14="http://schemas.microsoft.com/office/powerpoint/2010/main" val="3583117616"/>
       </p:ext>
     </p:extLst>
   </p:cSld>
@@ -4064,7 +4469,7 @@
           <p:cNvPr id="2" name="Title 1">
             <a:extLst>
               <a:ext uri="{FF2B5EF4-FFF2-40B4-BE49-F238E27FC236}">
-                <a16:creationId xmlns:a16="http://schemas.microsoft.com/office/drawing/2014/main" id="{CE7AFE04-B89C-4359-A3C9-6114636B45DE}"/>
+                <a16:creationId xmlns:a16="http://schemas.microsoft.com/office/drawing/2014/main" id="{94CC297E-2145-4696-A904-5C24113727EC}"/>
               </a:ext>
             </a:extLst>
           </p:cNvPr>
@@ -4081,10 +4486,9 @@
           <a:lstStyle/>
           <a:p>
             <a:r>
-              <a:rPr lang="en-US" dirty="0"/>
-              <a:t>Tests!</a:t>
-            </a:r>
-            <a:endParaRPr lang="cs-CZ" dirty="0"/>
+              <a:rPr lang="cs-CZ" dirty="0"/>
+              <a:t>Matrix</a:t>
+            </a:r>
           </a:p>
         </p:txBody>
       </p:sp>
@@ -4093,7 +4497,7 @@
           <p:cNvPr id="3" name="Content Placeholder 2">
             <a:extLst>
               <a:ext uri="{FF2B5EF4-FFF2-40B4-BE49-F238E27FC236}">
-                <a16:creationId xmlns:a16="http://schemas.microsoft.com/office/drawing/2014/main" id="{154D00F0-094F-471C-9EAD-35D948D838DB}"/>
+                <a16:creationId xmlns:a16="http://schemas.microsoft.com/office/drawing/2014/main" id="{5763FB5D-A385-4551-856D-746686A49D49}"/>
               </a:ext>
             </a:extLst>
           </p:cNvPr>
@@ -4109,14 +4513,198 @@
           <a:bodyPr/>
           <a:lstStyle/>
           <a:p>
-            <a:endParaRPr lang="cs-CZ"/>
+            <a:r>
+              <a:rPr lang="cs-CZ" dirty="0"/>
+              <a:t>Requirements coverage by use cases</a:t>
+            </a:r>
           </a:p>
         </p:txBody>
       </p:sp>
     </p:spTree>
     <p:extLst>
       <p:ext uri="{BB962C8B-B14F-4D97-AF65-F5344CB8AC3E}">
-        <p14:creationId xmlns:p14="http://schemas.microsoft.com/office/powerpoint/2010/main" val="3107403110"/>
+        <p14:creationId xmlns:p14="http://schemas.microsoft.com/office/powerpoint/2010/main" val="560953382"/>
+      </p:ext>
+    </p:extLst>
+  </p:cSld>
+  <p:clrMapOvr>
+    <a:masterClrMapping/>
+  </p:clrMapOvr>
+</p:sld>
+</file>
+
+<file path=ppt/slides/slide9.xml><?xml version="1.0" encoding="utf-8"?>
+<p:sld xmlns:a="http://schemas.openxmlformats.org/drawingml/2006/main" xmlns:r="http://schemas.openxmlformats.org/officeDocument/2006/relationships" xmlns:p="http://schemas.openxmlformats.org/presentationml/2006/main">
+  <p:cSld>
+    <p:spTree>
+      <p:nvGrpSpPr>
+        <p:cNvPr id="1" name=""/>
+        <p:cNvGrpSpPr/>
+        <p:nvPr/>
+      </p:nvGrpSpPr>
+      <p:grpSpPr>
+        <a:xfrm>
+          <a:off x="0" y="0"/>
+          <a:ext cx="0" cy="0"/>
+          <a:chOff x="0" y="0"/>
+          <a:chExt cx="0" cy="0"/>
+        </a:xfrm>
+      </p:grpSpPr>
+      <p:sp>
+        <p:nvSpPr>
+          <p:cNvPr id="2" name="Title 1">
+            <a:extLst>
+              <a:ext uri="{FF2B5EF4-FFF2-40B4-BE49-F238E27FC236}">
+                <a16:creationId xmlns:a16="http://schemas.microsoft.com/office/drawing/2014/main" id="{D7A0DF62-2918-413F-86AB-31C511443759}"/>
+              </a:ext>
+            </a:extLst>
+          </p:cNvPr>
+          <p:cNvSpPr>
+            <a:spLocks noGrp="1"/>
+          </p:cNvSpPr>
+          <p:nvPr>
+            <p:ph type="title"/>
+          </p:nvPr>
+        </p:nvSpPr>
+        <p:spPr/>
+        <p:txBody>
+          <a:bodyPr/>
+          <a:lstStyle/>
+          <a:p>
+            <a:r>
+              <a:rPr lang="cs-CZ" dirty="0"/>
+              <a:t>Entity models</a:t>
+            </a:r>
+          </a:p>
+        </p:txBody>
+      </p:sp>
+      <p:sp>
+        <p:nvSpPr>
+          <p:cNvPr id="3" name="Content Placeholder 2">
+            <a:extLst>
+              <a:ext uri="{FF2B5EF4-FFF2-40B4-BE49-F238E27FC236}">
+                <a16:creationId xmlns:a16="http://schemas.microsoft.com/office/drawing/2014/main" id="{EAA34742-034F-4758-89BC-DEAE53920741}"/>
+              </a:ext>
+            </a:extLst>
+          </p:cNvPr>
+          <p:cNvSpPr>
+            <a:spLocks noGrp="1"/>
+          </p:cNvSpPr>
+          <p:nvPr>
+            <p:ph idx="1"/>
+          </p:nvPr>
+        </p:nvSpPr>
+        <p:spPr/>
+        <p:txBody>
+          <a:bodyPr>
+            <a:normAutofit/>
+          </a:bodyPr>
+          <a:lstStyle/>
+          <a:p>
+            <a:r>
+              <a:rPr lang="cs-CZ" dirty="0"/>
+              <a:t>Conceptual model</a:t>
+            </a:r>
+          </a:p>
+          <a:p>
+            <a:pPr lvl="1"/>
+            <a:r>
+              <a:rPr lang="cs-CZ" dirty="0"/>
+              <a:t>Helps people understand the system</a:t>
+            </a:r>
+          </a:p>
+          <a:p>
+            <a:pPr lvl="1"/>
+            <a:r>
+              <a:rPr lang="cs-CZ" dirty="0"/>
+              <a:t>Contains only necessary attributes to understand</a:t>
+            </a:r>
+          </a:p>
+          <a:p>
+            <a:r>
+              <a:rPr lang="cs-CZ" dirty="0"/>
+              <a:t>Domain model</a:t>
+            </a:r>
+          </a:p>
+          <a:p>
+            <a:pPr lvl="1"/>
+            <a:r>
+              <a:rPr lang="cs-CZ" dirty="0"/>
+              <a:t>Represents objects from a </a:t>
+            </a:r>
+            <a:r>
+              <a:rPr lang="cs-CZ" b="1" dirty="0"/>
+              <a:t>real world</a:t>
+            </a:r>
+          </a:p>
+          <a:p>
+            <a:pPr lvl="1"/>
+            <a:r>
+              <a:rPr lang="cs-CZ" dirty="0"/>
+              <a:t>Domain driven design</a:t>
+            </a:r>
+          </a:p>
+          <a:p>
+            <a:pPr lvl="1"/>
+            <a:r>
+              <a:rPr lang="cs-CZ" dirty="0"/>
+              <a:t>Easier testing </a:t>
+            </a:r>
+          </a:p>
+          <a:p>
+            <a:pPr lvl="2"/>
+            <a:r>
+              <a:rPr lang="en-US" dirty="0"/>
+              <a:t>Recognize</a:t>
+            </a:r>
+            <a:r>
+              <a:rPr lang="cs-CZ" dirty="0"/>
+              <a:t> how well domains objects are designed</a:t>
+            </a:r>
+          </a:p>
+          <a:p>
+            <a:pPr lvl="1"/>
+            <a:r>
+              <a:rPr lang="en-US" dirty="0"/>
+              <a:t>P</a:t>
+            </a:r>
+            <a:r>
+              <a:rPr lang="cs-CZ" dirty="0"/>
+              <a:t>ersistence</a:t>
+            </a:r>
+            <a:r>
+              <a:rPr lang="en-US" dirty="0"/>
+              <a:t> ignorance</a:t>
+            </a:r>
+            <a:r>
+              <a:rPr lang="cs-CZ" dirty="0"/>
+              <a:t>!</a:t>
+            </a:r>
+          </a:p>
+          <a:p>
+            <a:r>
+              <a:rPr lang="cs-CZ" dirty="0"/>
+              <a:t>Data model</a:t>
+            </a:r>
+          </a:p>
+          <a:p>
+            <a:pPr marL="457200" lvl="1" indent="0">
+              <a:buNone/>
+            </a:pPr>
+            <a:endParaRPr lang="cs-CZ" dirty="0"/>
+          </a:p>
+          <a:p>
+            <a:pPr marL="0" indent="0">
+              <a:buNone/>
+            </a:pPr>
+            <a:endParaRPr lang="cs-CZ" dirty="0"/>
+          </a:p>
+        </p:txBody>
+      </p:sp>
+    </p:spTree>
+    <p:extLst>
+      <p:ext uri="{BB962C8B-B14F-4D97-AF65-F5344CB8AC3E}">
+        <p14:creationId xmlns:p14="http://schemas.microsoft.com/office/powerpoint/2010/main" val="1456024689"/>
       </p:ext>
     </p:extLst>
   </p:cSld>
